--- a/CapstoneProject1.pptx
+++ b/CapstoneProject1.pptx
@@ -9251,7 +9251,7 @@
             </a:pPr>
             <a:r>
               <a:rPr lang="en-US" sz="2000" dirty="0"/>
-              <a:t>HDI Human Development</a:t>
+              <a:t>HDI Human Development Index</a:t>
             </a:r>
           </a:p>
         </p:txBody>
